--- a/UnidadII/Interfaces.pptx
+++ b/UnidadII/Interfaces.pptx
@@ -9,6 +9,8 @@
     <p:sldId id="258" r:id="rId3"/>
     <p:sldId id="257" r:id="rId4"/>
     <p:sldId id="259" r:id="rId5"/>
+    <p:sldId id="260" r:id="rId6"/>
+    <p:sldId id="261" r:id="rId7"/>
   </p:sldIdLst>
   <p:sldSz cx="12192000" cy="6858000"/>
   <p:notesSz cx="6858000" cy="9144000"/>
@@ -107,6 +109,11 @@
       </a:defRPr>
     </a:lvl9pPr>
   </p:defaultTextStyle>
+  <p:extLst>
+    <p:ext uri="{EFAFB233-063F-42B5-8137-9DF3F51BA10A}">
+      <p15:sldGuideLst xmlns:p15="http://schemas.microsoft.com/office/powerpoint/2012/main"/>
+    </p:ext>
+  </p:extLst>
 </p:presentation>
 </file>
 
@@ -259,7 +266,7 @@
           <a:p>
             <a:fld id="{C28C964C-85C6-4B4F-8A56-8728B225A710}" type="datetimeFigureOut">
               <a:rPr lang="en-HN" smtClean="0"/>
-              <a:t>3/16/20</a:t>
+              <a:t>3/18/20</a:t>
             </a:fld>
             <a:endParaRPr lang="en-HN"/>
           </a:p>
@@ -459,7 +466,7 @@
           <a:p>
             <a:fld id="{C28C964C-85C6-4B4F-8A56-8728B225A710}" type="datetimeFigureOut">
               <a:rPr lang="en-HN" smtClean="0"/>
-              <a:t>3/16/20</a:t>
+              <a:t>3/18/20</a:t>
             </a:fld>
             <a:endParaRPr lang="en-HN"/>
           </a:p>
@@ -669,7 +676,7 @@
           <a:p>
             <a:fld id="{C28C964C-85C6-4B4F-8A56-8728B225A710}" type="datetimeFigureOut">
               <a:rPr lang="en-HN" smtClean="0"/>
-              <a:t>3/16/20</a:t>
+              <a:t>3/18/20</a:t>
             </a:fld>
             <a:endParaRPr lang="en-HN"/>
           </a:p>
@@ -869,7 +876,7 @@
           <a:p>
             <a:fld id="{C28C964C-85C6-4B4F-8A56-8728B225A710}" type="datetimeFigureOut">
               <a:rPr lang="en-HN" smtClean="0"/>
-              <a:t>3/16/20</a:t>
+              <a:t>3/18/20</a:t>
             </a:fld>
             <a:endParaRPr lang="en-HN"/>
           </a:p>
@@ -1145,7 +1152,7 @@
           <a:p>
             <a:fld id="{C28C964C-85C6-4B4F-8A56-8728B225A710}" type="datetimeFigureOut">
               <a:rPr lang="en-HN" smtClean="0"/>
-              <a:t>3/16/20</a:t>
+              <a:t>3/18/20</a:t>
             </a:fld>
             <a:endParaRPr lang="en-HN"/>
           </a:p>
@@ -1413,7 +1420,7 @@
           <a:p>
             <a:fld id="{C28C964C-85C6-4B4F-8A56-8728B225A710}" type="datetimeFigureOut">
               <a:rPr lang="en-HN" smtClean="0"/>
-              <a:t>3/16/20</a:t>
+              <a:t>3/18/20</a:t>
             </a:fld>
             <a:endParaRPr lang="en-HN"/>
           </a:p>
@@ -1828,7 +1835,7 @@
           <a:p>
             <a:fld id="{C28C964C-85C6-4B4F-8A56-8728B225A710}" type="datetimeFigureOut">
               <a:rPr lang="en-HN" smtClean="0"/>
-              <a:t>3/16/20</a:t>
+              <a:t>3/18/20</a:t>
             </a:fld>
             <a:endParaRPr lang="en-HN"/>
           </a:p>
@@ -1970,7 +1977,7 @@
           <a:p>
             <a:fld id="{C28C964C-85C6-4B4F-8A56-8728B225A710}" type="datetimeFigureOut">
               <a:rPr lang="en-HN" smtClean="0"/>
-              <a:t>3/16/20</a:t>
+              <a:t>3/18/20</a:t>
             </a:fld>
             <a:endParaRPr lang="en-HN"/>
           </a:p>
@@ -2083,7 +2090,7 @@
           <a:p>
             <a:fld id="{C28C964C-85C6-4B4F-8A56-8728B225A710}" type="datetimeFigureOut">
               <a:rPr lang="en-HN" smtClean="0"/>
-              <a:t>3/16/20</a:t>
+              <a:t>3/18/20</a:t>
             </a:fld>
             <a:endParaRPr lang="en-HN"/>
           </a:p>
@@ -2396,7 +2403,7 @@
           <a:p>
             <a:fld id="{C28C964C-85C6-4B4F-8A56-8728B225A710}" type="datetimeFigureOut">
               <a:rPr lang="en-HN" smtClean="0"/>
-              <a:t>3/16/20</a:t>
+              <a:t>3/18/20</a:t>
             </a:fld>
             <a:endParaRPr lang="en-HN"/>
           </a:p>
@@ -2685,7 +2692,7 @@
           <a:p>
             <a:fld id="{C28C964C-85C6-4B4F-8A56-8728B225A710}" type="datetimeFigureOut">
               <a:rPr lang="en-HN" smtClean="0"/>
-              <a:t>3/16/20</a:t>
+              <a:t>3/18/20</a:t>
             </a:fld>
             <a:endParaRPr lang="en-HN"/>
           </a:p>
@@ -2928,7 +2935,7 @@
           <a:p>
             <a:fld id="{C28C964C-85C6-4B4F-8A56-8728B225A710}" type="datetimeFigureOut">
               <a:rPr lang="en-HN" smtClean="0"/>
-              <a:t>3/16/20</a:t>
+              <a:t>3/18/20</a:t>
             </a:fld>
             <a:endParaRPr lang="en-HN"/>
           </a:p>
@@ -4080,6 +4087,589 @@
 </p:sld>
 </file>
 
+<file path=ppt/slides/slide5.xml><?xml version="1.0" encoding="utf-8"?>
+<p:sld xmlns:a="http://schemas.openxmlformats.org/drawingml/2006/main" xmlns:r="http://schemas.openxmlformats.org/officeDocument/2006/relationships" xmlns:p="http://schemas.openxmlformats.org/presentationml/2006/main">
+  <p:cSld>
+    <p:bg>
+      <p:bgPr>
+        <a:gradFill>
+          <a:gsLst>
+            <a:gs pos="0">
+              <a:srgbClr val="670636"/>
+            </a:gs>
+            <a:gs pos="100000">
+              <a:srgbClr val="FA004E"/>
+            </a:gs>
+          </a:gsLst>
+          <a:lin ang="10200000" scaled="0"/>
+        </a:gradFill>
+        <a:effectLst/>
+      </p:bgPr>
+    </p:bg>
+    <p:spTree>
+      <p:nvGrpSpPr>
+        <p:cNvPr id="1" name=""/>
+        <p:cNvGrpSpPr/>
+        <p:nvPr/>
+      </p:nvGrpSpPr>
+      <p:grpSpPr>
+        <a:xfrm>
+          <a:off x="0" y="0"/>
+          <a:ext cx="0" cy="0"/>
+          <a:chOff x="0" y="0"/>
+          <a:chExt cx="0" cy="0"/>
+        </a:xfrm>
+      </p:grpSpPr>
+      <p:sp>
+        <p:nvSpPr>
+          <p:cNvPr id="5" name="TextBox 4">
+            <a:extLst>
+              <a:ext uri="{FF2B5EF4-FFF2-40B4-BE49-F238E27FC236}">
+                <a16:creationId xmlns:a16="http://schemas.microsoft.com/office/drawing/2014/main" id="{ADC07556-F27B-B74C-B675-773842F55CEB}"/>
+              </a:ext>
+            </a:extLst>
+          </p:cNvPr>
+          <p:cNvSpPr txBox="1"/>
+          <p:nvPr/>
+        </p:nvSpPr>
+        <p:spPr>
+          <a:xfrm>
+            <a:off x="1919132" y="2770697"/>
+            <a:ext cx="8557151" cy="1015663"/>
+          </a:xfrm>
+          <a:prstGeom prst="rect">
+            <a:avLst/>
+          </a:prstGeom>
+          <a:noFill/>
+        </p:spPr>
+        <p:txBody>
+          <a:bodyPr wrap="none" rtlCol="0">
+            <a:spAutoFit/>
+          </a:bodyPr>
+          <a:lstStyle/>
+          <a:p>
+            <a:r>
+              <a:rPr lang="en-HN" sz="6000" dirty="0">
+                <a:solidFill>
+                  <a:schemeClr val="bg1"/>
+                </a:solidFill>
+                <a:latin typeface="Quicksand Medium" pitchFamily="2" charset="77"/>
+              </a:rPr>
+              <a:t>¿Videojuegos en Java?</a:t>
+            </a:r>
+          </a:p>
+        </p:txBody>
+      </p:sp>
+    </p:spTree>
+    <p:extLst>
+      <p:ext uri="{BB962C8B-B14F-4D97-AF65-F5344CB8AC3E}">
+        <p14:creationId xmlns:p14="http://schemas.microsoft.com/office/powerpoint/2010/main" val="3713727876"/>
+      </p:ext>
+    </p:extLst>
+  </p:cSld>
+  <p:clrMapOvr>
+    <a:masterClrMapping/>
+  </p:clrMapOvr>
+</p:sld>
+</file>
+
+<file path=ppt/slides/slide6.xml><?xml version="1.0" encoding="utf-8"?>
+<p:sld xmlns:a="http://schemas.openxmlformats.org/drawingml/2006/main" xmlns:r="http://schemas.openxmlformats.org/officeDocument/2006/relationships" xmlns:p="http://schemas.openxmlformats.org/presentationml/2006/main">
+  <p:cSld>
+    <p:bg>
+      <p:bgPr>
+        <a:gradFill>
+          <a:gsLst>
+            <a:gs pos="0">
+              <a:srgbClr val="670636"/>
+            </a:gs>
+            <a:gs pos="100000">
+              <a:srgbClr val="FA004E"/>
+            </a:gs>
+          </a:gsLst>
+          <a:lin ang="10200000" scaled="0"/>
+        </a:gradFill>
+        <a:effectLst/>
+      </p:bgPr>
+    </p:bg>
+    <p:spTree>
+      <p:nvGrpSpPr>
+        <p:cNvPr id="1" name=""/>
+        <p:cNvGrpSpPr/>
+        <p:nvPr/>
+      </p:nvGrpSpPr>
+      <p:grpSpPr>
+        <a:xfrm>
+          <a:off x="0" y="0"/>
+          <a:ext cx="0" cy="0"/>
+          <a:chOff x="0" y="0"/>
+          <a:chExt cx="0" cy="0"/>
+        </a:xfrm>
+      </p:grpSpPr>
+      <p:sp>
+        <p:nvSpPr>
+          <p:cNvPr id="5" name="TextBox 4">
+            <a:extLst>
+              <a:ext uri="{FF2B5EF4-FFF2-40B4-BE49-F238E27FC236}">
+                <a16:creationId xmlns:a16="http://schemas.microsoft.com/office/drawing/2014/main" id="{ADC07556-F27B-B74C-B675-773842F55CEB}"/>
+              </a:ext>
+            </a:extLst>
+          </p:cNvPr>
+          <p:cNvSpPr txBox="1"/>
+          <p:nvPr/>
+        </p:nvSpPr>
+        <p:spPr>
+          <a:xfrm>
+            <a:off x="3392569" y="316408"/>
+            <a:ext cx="4977645" cy="923330"/>
+          </a:xfrm>
+          <a:prstGeom prst="rect">
+            <a:avLst/>
+          </a:prstGeom>
+          <a:noFill/>
+        </p:spPr>
+        <p:txBody>
+          <a:bodyPr wrap="none" rtlCol="0">
+            <a:spAutoFit/>
+          </a:bodyPr>
+          <a:lstStyle/>
+          <a:p>
+            <a:r>
+              <a:rPr lang="en-HN" sz="5400" dirty="0">
+                <a:solidFill>
+                  <a:schemeClr val="bg1"/>
+                </a:solidFill>
+                <a:latin typeface="Quicksand Medium" pitchFamily="2" charset="77"/>
+              </a:rPr>
+              <a:t>Ciclo de Juego</a:t>
+            </a:r>
+          </a:p>
+        </p:txBody>
+      </p:sp>
+      <p:sp>
+        <p:nvSpPr>
+          <p:cNvPr id="2" name="Rectangle 1">
+            <a:extLst>
+              <a:ext uri="{FF2B5EF4-FFF2-40B4-BE49-F238E27FC236}">
+                <a16:creationId xmlns:a16="http://schemas.microsoft.com/office/drawing/2014/main" id="{D9B88D36-21E2-F945-A2E5-514811477C90}"/>
+              </a:ext>
+            </a:extLst>
+          </p:cNvPr>
+          <p:cNvSpPr/>
+          <p:nvPr/>
+        </p:nvSpPr>
+        <p:spPr>
+          <a:xfrm>
+            <a:off x="3179800" y="1521987"/>
+            <a:ext cx="3865945" cy="1015663"/>
+          </a:xfrm>
+          <a:prstGeom prst="rect">
+            <a:avLst/>
+          </a:prstGeom>
+          <a:solidFill>
+            <a:srgbClr val="670636"/>
+          </a:solidFill>
+          <a:ln>
+            <a:noFill/>
+          </a:ln>
+        </p:spPr>
+        <p:style>
+          <a:lnRef idx="2">
+            <a:schemeClr val="accent1">
+              <a:shade val="50000"/>
+            </a:schemeClr>
+          </a:lnRef>
+          <a:fillRef idx="1">
+            <a:schemeClr val="accent1"/>
+          </a:fillRef>
+          <a:effectRef idx="0">
+            <a:schemeClr val="accent1"/>
+          </a:effectRef>
+          <a:fontRef idx="minor">
+            <a:schemeClr val="lt1"/>
+          </a:fontRef>
+        </p:style>
+        <p:txBody>
+          <a:bodyPr rtlCol="0" anchor="ctr"/>
+          <a:lstStyle/>
+          <a:p>
+            <a:pPr algn="ctr"/>
+            <a:r>
+              <a:rPr lang="es-ES_tradnl" sz="2000" dirty="0"/>
+              <a:t>Inicializar componentes, variables, objetos, cargar imágenes, </a:t>
+            </a:r>
+            <a:r>
+              <a:rPr lang="es-ES_tradnl" sz="2000" dirty="0" err="1"/>
+              <a:t>etc</a:t>
+            </a:r>
+            <a:endParaRPr lang="es-ES_tradnl" sz="2000" dirty="0"/>
+          </a:p>
+        </p:txBody>
+      </p:sp>
+      <p:sp>
+        <p:nvSpPr>
+          <p:cNvPr id="6" name="Rectangle 5">
+            <a:extLst>
+              <a:ext uri="{FF2B5EF4-FFF2-40B4-BE49-F238E27FC236}">
+                <a16:creationId xmlns:a16="http://schemas.microsoft.com/office/drawing/2014/main" id="{634043A4-5121-974C-A517-6B44E553142B}"/>
+              </a:ext>
+            </a:extLst>
+          </p:cNvPr>
+          <p:cNvSpPr/>
+          <p:nvPr/>
+        </p:nvSpPr>
+        <p:spPr>
+          <a:xfrm>
+            <a:off x="7081732" y="4042599"/>
+            <a:ext cx="3865945" cy="1015663"/>
+          </a:xfrm>
+          <a:prstGeom prst="rect">
+            <a:avLst/>
+          </a:prstGeom>
+          <a:solidFill>
+            <a:srgbClr val="670636"/>
+          </a:solidFill>
+          <a:ln>
+            <a:noFill/>
+          </a:ln>
+        </p:spPr>
+        <p:style>
+          <a:lnRef idx="2">
+            <a:schemeClr val="accent1">
+              <a:shade val="50000"/>
+            </a:schemeClr>
+          </a:lnRef>
+          <a:fillRef idx="1">
+            <a:schemeClr val="accent1"/>
+          </a:fillRef>
+          <a:effectRef idx="0">
+            <a:schemeClr val="accent1"/>
+          </a:effectRef>
+          <a:fontRef idx="minor">
+            <a:schemeClr val="lt1"/>
+          </a:fontRef>
+        </p:style>
+        <p:txBody>
+          <a:bodyPr rtlCol="0" anchor="ctr"/>
+          <a:lstStyle/>
+          <a:p>
+            <a:pPr algn="ctr"/>
+            <a:r>
+              <a:rPr lang="es-ES_tradnl" sz="2000" dirty="0"/>
+              <a:t>Actualizar coordenadas, estados, lógica de juego</a:t>
+            </a:r>
+          </a:p>
+        </p:txBody>
+      </p:sp>
+      <p:sp>
+        <p:nvSpPr>
+          <p:cNvPr id="3" name="Diamond 2">
+            <a:extLst>
+              <a:ext uri="{FF2B5EF4-FFF2-40B4-BE49-F238E27FC236}">
+                <a16:creationId xmlns:a16="http://schemas.microsoft.com/office/drawing/2014/main" id="{EFBF016B-9A35-FA4C-A299-4EC915E2BCB9}"/>
+              </a:ext>
+            </a:extLst>
+          </p:cNvPr>
+          <p:cNvSpPr/>
+          <p:nvPr/>
+        </p:nvSpPr>
+        <p:spPr>
+          <a:xfrm>
+            <a:off x="3883048" y="2924677"/>
+            <a:ext cx="2454442" cy="1363579"/>
+          </a:xfrm>
+          <a:prstGeom prst="diamond">
+            <a:avLst/>
+          </a:prstGeom>
+          <a:solidFill>
+            <a:srgbClr val="670636"/>
+          </a:solidFill>
+          <a:ln>
+            <a:noFill/>
+          </a:ln>
+        </p:spPr>
+        <p:style>
+          <a:lnRef idx="2">
+            <a:schemeClr val="accent1">
+              <a:shade val="50000"/>
+            </a:schemeClr>
+          </a:lnRef>
+          <a:fillRef idx="1">
+            <a:schemeClr val="accent1"/>
+          </a:fillRef>
+          <a:effectRef idx="0">
+            <a:schemeClr val="accent1"/>
+          </a:effectRef>
+          <a:fontRef idx="minor">
+            <a:schemeClr val="lt1"/>
+          </a:fontRef>
+        </p:style>
+        <p:txBody>
+          <a:bodyPr rtlCol="0" anchor="ctr"/>
+          <a:lstStyle/>
+          <a:p>
+            <a:pPr algn="ctr"/>
+            <a:r>
+              <a:rPr lang="es-ES_tradnl" dirty="0"/>
+              <a:t>¿Jugando?</a:t>
+            </a:r>
+          </a:p>
+        </p:txBody>
+      </p:sp>
+      <p:sp>
+        <p:nvSpPr>
+          <p:cNvPr id="7" name="Rectangle 6">
+            <a:extLst>
+              <a:ext uri="{FF2B5EF4-FFF2-40B4-BE49-F238E27FC236}">
+                <a16:creationId xmlns:a16="http://schemas.microsoft.com/office/drawing/2014/main" id="{880028B8-B54E-CD4E-B45B-3FF22C2798D3}"/>
+              </a:ext>
+            </a:extLst>
+          </p:cNvPr>
+          <p:cNvSpPr/>
+          <p:nvPr/>
+        </p:nvSpPr>
+        <p:spPr>
+          <a:xfrm>
+            <a:off x="7081732" y="5376084"/>
+            <a:ext cx="3865945" cy="1015663"/>
+          </a:xfrm>
+          <a:prstGeom prst="rect">
+            <a:avLst/>
+          </a:prstGeom>
+          <a:solidFill>
+            <a:srgbClr val="670636"/>
+          </a:solidFill>
+          <a:ln>
+            <a:noFill/>
+          </a:ln>
+        </p:spPr>
+        <p:style>
+          <a:lnRef idx="2">
+            <a:schemeClr val="accent1">
+              <a:shade val="50000"/>
+            </a:schemeClr>
+          </a:lnRef>
+          <a:fillRef idx="1">
+            <a:schemeClr val="accent1"/>
+          </a:fillRef>
+          <a:effectRef idx="0">
+            <a:schemeClr val="accent1"/>
+          </a:effectRef>
+          <a:fontRef idx="minor">
+            <a:schemeClr val="lt1"/>
+          </a:fontRef>
+        </p:style>
+        <p:txBody>
+          <a:bodyPr rtlCol="0" anchor="ctr"/>
+          <a:lstStyle/>
+          <a:p>
+            <a:pPr algn="ctr"/>
+            <a:r>
+              <a:rPr lang="es-ES_tradnl" sz="2000" dirty="0"/>
+              <a:t>Pintar estado actual</a:t>
+            </a:r>
+          </a:p>
+        </p:txBody>
+      </p:sp>
+      <p:cxnSp>
+        <p:nvCxnSpPr>
+          <p:cNvPr id="9" name="Elbow Connector 8">
+            <a:extLst>
+              <a:ext uri="{FF2B5EF4-FFF2-40B4-BE49-F238E27FC236}">
+                <a16:creationId xmlns:a16="http://schemas.microsoft.com/office/drawing/2014/main" id="{075AA3A5-55D7-CD4C-A26D-983C96B88584}"/>
+              </a:ext>
+            </a:extLst>
+          </p:cNvPr>
+          <p:cNvCxnSpPr>
+            <a:cxnSpLocks/>
+            <a:stCxn id="3" idx="3"/>
+            <a:endCxn id="6" idx="0"/>
+          </p:cNvCxnSpPr>
+          <p:nvPr/>
+        </p:nvCxnSpPr>
+        <p:spPr>
+          <a:xfrm>
+            <a:off x="6337490" y="3606467"/>
+            <a:ext cx="2677215" cy="436132"/>
+          </a:xfrm>
+          <a:prstGeom prst="bentConnector2">
+            <a:avLst/>
+          </a:prstGeom>
+          <a:ln w="53975">
+            <a:solidFill>
+              <a:schemeClr val="bg1"/>
+            </a:solidFill>
+            <a:tailEnd type="triangle"/>
+          </a:ln>
+        </p:spPr>
+        <p:style>
+          <a:lnRef idx="1">
+            <a:schemeClr val="accent1"/>
+          </a:lnRef>
+          <a:fillRef idx="0">
+            <a:schemeClr val="accent1"/>
+          </a:fillRef>
+          <a:effectRef idx="0">
+            <a:schemeClr val="accent1"/>
+          </a:effectRef>
+          <a:fontRef idx="minor">
+            <a:schemeClr val="tx1"/>
+          </a:fontRef>
+        </p:style>
+      </p:cxnSp>
+      <p:cxnSp>
+        <p:nvCxnSpPr>
+          <p:cNvPr id="14" name="Elbow Connector 13">
+            <a:extLst>
+              <a:ext uri="{FF2B5EF4-FFF2-40B4-BE49-F238E27FC236}">
+                <a16:creationId xmlns:a16="http://schemas.microsoft.com/office/drawing/2014/main" id="{2F6F76FC-7A41-784D-9730-C57D2D6A01CE}"/>
+              </a:ext>
+            </a:extLst>
+          </p:cNvPr>
+          <p:cNvCxnSpPr>
+            <a:cxnSpLocks/>
+            <a:stCxn id="7" idx="1"/>
+            <a:endCxn id="3" idx="1"/>
+          </p:cNvCxnSpPr>
+          <p:nvPr/>
+        </p:nvCxnSpPr>
+        <p:spPr>
+          <a:xfrm rot="10800000">
+            <a:off x="3883048" y="3606468"/>
+            <a:ext cx="3198684" cy="2277449"/>
+          </a:xfrm>
+          <a:prstGeom prst="bentConnector3">
+            <a:avLst>
+              <a:gd name="adj1" fmla="val 107147"/>
+            </a:avLst>
+          </a:prstGeom>
+          <a:ln w="53975">
+            <a:solidFill>
+              <a:schemeClr val="bg1"/>
+            </a:solidFill>
+            <a:tailEnd type="triangle"/>
+          </a:ln>
+        </p:spPr>
+        <p:style>
+          <a:lnRef idx="1">
+            <a:schemeClr val="accent1"/>
+          </a:lnRef>
+          <a:fillRef idx="0">
+            <a:schemeClr val="accent1"/>
+          </a:fillRef>
+          <a:effectRef idx="0">
+            <a:schemeClr val="accent1"/>
+          </a:effectRef>
+          <a:fontRef idx="minor">
+            <a:schemeClr val="tx1"/>
+          </a:fontRef>
+        </p:style>
+      </p:cxnSp>
+      <p:cxnSp>
+        <p:nvCxnSpPr>
+          <p:cNvPr id="18" name="Straight Arrow Connector 17">
+            <a:extLst>
+              <a:ext uri="{FF2B5EF4-FFF2-40B4-BE49-F238E27FC236}">
+                <a16:creationId xmlns:a16="http://schemas.microsoft.com/office/drawing/2014/main" id="{3B2BF8AA-3B0A-DF4D-A6DE-2EEA14BC3532}"/>
+              </a:ext>
+            </a:extLst>
+          </p:cNvPr>
+          <p:cNvCxnSpPr>
+            <a:cxnSpLocks/>
+            <a:stCxn id="2" idx="2"/>
+            <a:endCxn id="3" idx="0"/>
+          </p:cNvCxnSpPr>
+          <p:nvPr/>
+        </p:nvCxnSpPr>
+        <p:spPr>
+          <a:xfrm flipH="1">
+            <a:off x="5110269" y="2537650"/>
+            <a:ext cx="2504" cy="387027"/>
+          </a:xfrm>
+          <a:prstGeom prst="straightConnector1">
+            <a:avLst/>
+          </a:prstGeom>
+          <a:ln w="44450">
+            <a:solidFill>
+              <a:schemeClr val="bg1"/>
+            </a:solidFill>
+            <a:tailEnd type="triangle"/>
+          </a:ln>
+        </p:spPr>
+        <p:style>
+          <a:lnRef idx="1">
+            <a:schemeClr val="accent1"/>
+          </a:lnRef>
+          <a:fillRef idx="0">
+            <a:schemeClr val="accent1"/>
+          </a:fillRef>
+          <a:effectRef idx="0">
+            <a:schemeClr val="accent1"/>
+          </a:effectRef>
+          <a:fontRef idx="minor">
+            <a:schemeClr val="tx1"/>
+          </a:fontRef>
+        </p:style>
+      </p:cxnSp>
+      <p:cxnSp>
+        <p:nvCxnSpPr>
+          <p:cNvPr id="21" name="Straight Arrow Connector 20">
+            <a:extLst>
+              <a:ext uri="{FF2B5EF4-FFF2-40B4-BE49-F238E27FC236}">
+                <a16:creationId xmlns:a16="http://schemas.microsoft.com/office/drawing/2014/main" id="{4F2AC5C8-2CAF-1B46-B411-F04A8A7B631A}"/>
+              </a:ext>
+            </a:extLst>
+          </p:cNvPr>
+          <p:cNvCxnSpPr>
+            <a:cxnSpLocks/>
+            <a:stCxn id="6" idx="2"/>
+            <a:endCxn id="7" idx="0"/>
+          </p:cNvCxnSpPr>
+          <p:nvPr/>
+        </p:nvCxnSpPr>
+        <p:spPr>
+          <a:xfrm>
+            <a:off x="9014705" y="5058262"/>
+            <a:ext cx="0" cy="317822"/>
+          </a:xfrm>
+          <a:prstGeom prst="straightConnector1">
+            <a:avLst/>
+          </a:prstGeom>
+          <a:ln w="44450">
+            <a:solidFill>
+              <a:schemeClr val="bg1"/>
+            </a:solidFill>
+            <a:tailEnd type="triangle"/>
+          </a:ln>
+        </p:spPr>
+        <p:style>
+          <a:lnRef idx="1">
+            <a:schemeClr val="accent1"/>
+          </a:lnRef>
+          <a:fillRef idx="0">
+            <a:schemeClr val="accent1"/>
+          </a:fillRef>
+          <a:effectRef idx="0">
+            <a:schemeClr val="accent1"/>
+          </a:effectRef>
+          <a:fontRef idx="minor">
+            <a:schemeClr val="tx1"/>
+          </a:fontRef>
+        </p:style>
+      </p:cxnSp>
+    </p:spTree>
+    <p:extLst>
+      <p:ext uri="{BB962C8B-B14F-4D97-AF65-F5344CB8AC3E}">
+        <p14:creationId xmlns:p14="http://schemas.microsoft.com/office/powerpoint/2010/main" val="565495875"/>
+      </p:ext>
+    </p:extLst>
+  </p:cSld>
+  <p:clrMapOvr>
+    <a:masterClrMapping/>
+  </p:clrMapOvr>
+</p:sld>
+</file>
+
 <file path=ppt/theme/theme1.xml><?xml version="1.0" encoding="utf-8"?>
 <a:theme xmlns:a="http://schemas.openxmlformats.org/drawingml/2006/main" name="Office Theme">
   <a:themeElements>
